--- a/Enigma Chat.pptx
+++ b/Enigma Chat.pptx
@@ -6,8 +6,8 @@
   </p:sldMasterIdLst>
   <p:sldIdLst>
     <p:sldId id="256" r:id="rId2"/>
-    <p:sldId id="257" r:id="rId3"/>
-    <p:sldId id="258" r:id="rId4"/>
+    <p:sldId id="263" r:id="rId3"/>
+    <p:sldId id="257" r:id="rId4"/>
     <p:sldId id="259" r:id="rId5"/>
     <p:sldId id="260" r:id="rId6"/>
     <p:sldId id="261" r:id="rId7"/>
@@ -8911,7 +8911,7 @@
           <a:p>
             <a:fld id="{5E7C9AA8-9022-43C7-9C28-E06F9360D4EE}" type="datetimeFigureOut">
               <a:rPr lang="en-US" smtClean="0"/>
-              <a:t>12-Apr-22</a:t>
+              <a:t>13-Apr-22</a:t>
             </a:fld>
             <a:endParaRPr lang="en-US"/>
           </a:p>
@@ -9118,7 +9118,7 @@
           <a:p>
             <a:fld id="{5E7C9AA8-9022-43C7-9C28-E06F9360D4EE}" type="datetimeFigureOut">
               <a:rPr lang="en-US" smtClean="0"/>
-              <a:t>12-Apr-22</a:t>
+              <a:t>13-Apr-22</a:t>
             </a:fld>
             <a:endParaRPr lang="en-US"/>
           </a:p>
@@ -9298,7 +9298,7 @@
           <a:p>
             <a:fld id="{5E7C9AA8-9022-43C7-9C28-E06F9360D4EE}" type="datetimeFigureOut">
               <a:rPr lang="en-US" smtClean="0"/>
-              <a:t>12-Apr-22</a:t>
+              <a:t>13-Apr-22</a:t>
             </a:fld>
             <a:endParaRPr lang="en-US"/>
           </a:p>
@@ -9503,7 +9503,7 @@
           <a:p>
             <a:fld id="{5E7C9AA8-9022-43C7-9C28-E06F9360D4EE}" type="datetimeFigureOut">
               <a:rPr lang="en-US" smtClean="0"/>
-              <a:t>12-Apr-22</a:t>
+              <a:t>13-Apr-22</a:t>
             </a:fld>
             <a:endParaRPr lang="en-US"/>
           </a:p>
@@ -18401,7 +18401,7 @@
           <a:p>
             <a:fld id="{5E7C9AA8-9022-43C7-9C28-E06F9360D4EE}" type="datetimeFigureOut">
               <a:rPr lang="en-US" smtClean="0"/>
-              <a:t>12-Apr-22</a:t>
+              <a:t>13-Apr-22</a:t>
             </a:fld>
             <a:endParaRPr lang="en-US"/>
           </a:p>
@@ -18675,7 +18675,7 @@
           <a:p>
             <a:fld id="{5E7C9AA8-9022-43C7-9C28-E06F9360D4EE}" type="datetimeFigureOut">
               <a:rPr lang="en-US" smtClean="0"/>
-              <a:t>12-Apr-22</a:t>
+              <a:t>13-Apr-22</a:t>
             </a:fld>
             <a:endParaRPr lang="en-US"/>
           </a:p>
@@ -19073,7 +19073,7 @@
           <a:p>
             <a:fld id="{5E7C9AA8-9022-43C7-9C28-E06F9360D4EE}" type="datetimeFigureOut">
               <a:rPr lang="en-US" smtClean="0"/>
-              <a:t>12-Apr-22</a:t>
+              <a:t>13-Apr-22</a:t>
             </a:fld>
             <a:endParaRPr lang="en-US"/>
           </a:p>
@@ -19191,7 +19191,7 @@
           <a:p>
             <a:fld id="{5E7C9AA8-9022-43C7-9C28-E06F9360D4EE}" type="datetimeFigureOut">
               <a:rPr lang="en-US" smtClean="0"/>
-              <a:t>12-Apr-22</a:t>
+              <a:t>13-Apr-22</a:t>
             </a:fld>
             <a:endParaRPr lang="en-US"/>
           </a:p>
@@ -19286,7 +19286,7 @@
           <a:p>
             <a:fld id="{5E7C9AA8-9022-43C7-9C28-E06F9360D4EE}" type="datetimeFigureOut">
               <a:rPr lang="en-US" smtClean="0"/>
-              <a:t>12-Apr-22</a:t>
+              <a:t>13-Apr-22</a:t>
             </a:fld>
             <a:endParaRPr lang="en-US"/>
           </a:p>
@@ -19576,7 +19576,7 @@
           <a:p>
             <a:fld id="{5E7C9AA8-9022-43C7-9C28-E06F9360D4EE}" type="datetimeFigureOut">
               <a:rPr lang="en-US" smtClean="0"/>
-              <a:t>12-Apr-22</a:t>
+              <a:t>13-Apr-22</a:t>
             </a:fld>
             <a:endParaRPr lang="en-US"/>
           </a:p>
@@ -19856,7 +19856,7 @@
           <a:p>
             <a:fld id="{5E7C9AA8-9022-43C7-9C28-E06F9360D4EE}" type="datetimeFigureOut">
               <a:rPr lang="en-US" smtClean="0"/>
-              <a:t>12-Apr-22</a:t>
+              <a:t>13-Apr-22</a:t>
             </a:fld>
             <a:endParaRPr lang="en-US"/>
           </a:p>
@@ -20106,7 +20106,7 @@
           <a:p>
             <a:fld id="{5E7C9AA8-9022-43C7-9C28-E06F9360D4EE}" type="datetimeFigureOut">
               <a:rPr lang="en-US" smtClean="0"/>
-              <a:t>12-Apr-22</a:t>
+              <a:t>13-Apr-22</a:t>
             </a:fld>
             <a:endParaRPr lang="en-US"/>
           </a:p>
@@ -20699,6 +20699,92 @@
           <p:cNvPr id="2" name="Title 1">
             <a:extLst>
               <a:ext uri="{FF2B5EF4-FFF2-40B4-BE49-F238E27FC236}">
+                <a16:creationId xmlns:a16="http://schemas.microsoft.com/office/drawing/2014/main" id="{FEEDEC70-EEEB-4680-AE64-818D00012E6B}"/>
+              </a:ext>
+            </a:extLst>
+          </p:cNvPr>
+          <p:cNvSpPr>
+            <a:spLocks noGrp="1"/>
+          </p:cNvSpPr>
+          <p:nvPr>
+            <p:ph type="title"/>
+          </p:nvPr>
+        </p:nvSpPr>
+        <p:spPr/>
+        <p:txBody>
+          <a:bodyPr/>
+          <a:lstStyle/>
+          <a:p>
+            <a:r>
+              <a:rPr lang="en-US" dirty="0"/>
+              <a:t>What is Enigma chat?</a:t>
+            </a:r>
+          </a:p>
+        </p:txBody>
+      </p:sp>
+      <p:sp>
+        <p:nvSpPr>
+          <p:cNvPr id="3" name="Content Placeholder 2">
+            <a:extLst>
+              <a:ext uri="{FF2B5EF4-FFF2-40B4-BE49-F238E27FC236}">
+                <a16:creationId xmlns:a16="http://schemas.microsoft.com/office/drawing/2014/main" id="{C69A474D-ACCB-4111-BDEC-2DA20525460F}"/>
+              </a:ext>
+            </a:extLst>
+          </p:cNvPr>
+          <p:cNvSpPr>
+            <a:spLocks noGrp="1"/>
+          </p:cNvSpPr>
+          <p:nvPr>
+            <p:ph idx="1"/>
+          </p:nvPr>
+        </p:nvSpPr>
+        <p:spPr/>
+        <p:txBody>
+          <a:bodyPr/>
+          <a:lstStyle/>
+          <a:p>
+            <a:r>
+              <a:rPr lang="en-US" dirty="0"/>
+              <a:t>Enigma Chat is a messaging service that uses a client-server model to communicate. It provides functionality to encrypt and decrypt messages on the fly using a Virtual Enigma Machine as well as distribute new randomized settings which are scheduled once per day.</a:t>
+            </a:r>
+          </a:p>
+        </p:txBody>
+      </p:sp>
+    </p:spTree>
+    <p:extLst>
+      <p:ext uri="{BB962C8B-B14F-4D97-AF65-F5344CB8AC3E}">
+        <p14:creationId xmlns:p14="http://schemas.microsoft.com/office/powerpoint/2010/main" val="1498910405"/>
+      </p:ext>
+    </p:extLst>
+  </p:cSld>
+  <p:clrMapOvr>
+    <a:masterClrMapping/>
+  </p:clrMapOvr>
+</p:sld>
+</file>
+
+<file path=ppt/slides/slide3.xml><?xml version="1.0" encoding="utf-8"?>
+<p:sld xmlns:a="http://schemas.openxmlformats.org/drawingml/2006/main" xmlns:r="http://schemas.openxmlformats.org/officeDocument/2006/relationships" xmlns:p="http://schemas.openxmlformats.org/presentationml/2006/main">
+  <p:cSld>
+    <p:spTree>
+      <p:nvGrpSpPr>
+        <p:cNvPr id="1" name=""/>
+        <p:cNvGrpSpPr/>
+        <p:nvPr/>
+      </p:nvGrpSpPr>
+      <p:grpSpPr>
+        <a:xfrm>
+          <a:off x="0" y="0"/>
+          <a:ext cx="0" cy="0"/>
+          <a:chOff x="0" y="0"/>
+          <a:chExt cx="0" cy="0"/>
+        </a:xfrm>
+      </p:grpSpPr>
+      <p:sp>
+        <p:nvSpPr>
+          <p:cNvPr id="2" name="Title 1">
+            <a:extLst>
+              <a:ext uri="{FF2B5EF4-FFF2-40B4-BE49-F238E27FC236}">
                 <a16:creationId xmlns:a16="http://schemas.microsoft.com/office/drawing/2014/main" id="{4AA501B7-177A-4D9F-B498-86279A941BA8}"/>
               </a:ext>
             </a:extLst>
@@ -20788,7 +20874,7 @@
           <a:graphicData uri="http://schemas.openxmlformats.org/presentationml/2006/ole">
             <mc:AlternateContent xmlns:mc="http://schemas.openxmlformats.org/markup-compatibility/2006">
               <mc:Choice xmlns:v="urn:schemas-microsoft-com:vml" Requires="v">
-                <p:oleObj spid="_x0000_s1027" name="Visio" r:id="rId3" imgW="8153422" imgH="4667289" progId="Visio.Drawing.15">
+                <p:oleObj spid="_x0000_s1028" name="Visio" r:id="rId3" imgW="8153422" imgH="4667289" progId="Visio.Drawing.15">
                   <p:embed/>
                 </p:oleObj>
               </mc:Choice>
@@ -20827,105 +20913,6 @@
     <p:extLst>
       <p:ext uri="{BB962C8B-B14F-4D97-AF65-F5344CB8AC3E}">
         <p14:creationId xmlns:p14="http://schemas.microsoft.com/office/powerpoint/2010/main" val="811697900"/>
-      </p:ext>
-    </p:extLst>
-  </p:cSld>
-  <p:clrMapOvr>
-    <a:masterClrMapping/>
-  </p:clrMapOvr>
-</p:sld>
-</file>
-
-<file path=ppt/slides/slide3.xml><?xml version="1.0" encoding="utf-8"?>
-<p:sld xmlns:a="http://schemas.openxmlformats.org/drawingml/2006/main" xmlns:r="http://schemas.openxmlformats.org/officeDocument/2006/relationships" xmlns:p="http://schemas.openxmlformats.org/presentationml/2006/main">
-  <p:cSld>
-    <p:spTree>
-      <p:nvGrpSpPr>
-        <p:cNvPr id="1" name=""/>
-        <p:cNvGrpSpPr/>
-        <p:nvPr/>
-      </p:nvGrpSpPr>
-      <p:grpSpPr>
-        <a:xfrm>
-          <a:off x="0" y="0"/>
-          <a:ext cx="0" cy="0"/>
-          <a:chOff x="0" y="0"/>
-          <a:chExt cx="0" cy="0"/>
-        </a:xfrm>
-      </p:grpSpPr>
-      <p:sp>
-        <p:nvSpPr>
-          <p:cNvPr id="2" name="Title 1">
-            <a:extLst>
-              <a:ext uri="{FF2B5EF4-FFF2-40B4-BE49-F238E27FC236}">
-                <a16:creationId xmlns:a16="http://schemas.microsoft.com/office/drawing/2014/main" id="{C6DC6B5E-899B-4168-BF41-B7CD0A6DF55C}"/>
-              </a:ext>
-            </a:extLst>
-          </p:cNvPr>
-          <p:cNvSpPr>
-            <a:spLocks noGrp="1"/>
-          </p:cNvSpPr>
-          <p:nvPr>
-            <p:ph type="title"/>
-          </p:nvPr>
-        </p:nvSpPr>
-        <p:spPr>
-          <a:xfrm>
-            <a:off x="838200" y="374650"/>
-            <a:ext cx="10515600" cy="1325563"/>
-          </a:xfrm>
-        </p:spPr>
-        <p:txBody>
-          <a:bodyPr/>
-          <a:lstStyle/>
-          <a:p>
-            <a:r>
-              <a:rPr lang="en-US" dirty="0"/>
-              <a:t>How it works</a:t>
-            </a:r>
-          </a:p>
-        </p:txBody>
-      </p:sp>
-      <p:sp>
-        <p:nvSpPr>
-          <p:cNvPr id="3" name="Content Placeholder 2">
-            <a:extLst>
-              <a:ext uri="{FF2B5EF4-FFF2-40B4-BE49-F238E27FC236}">
-                <a16:creationId xmlns:a16="http://schemas.microsoft.com/office/drawing/2014/main" id="{37FEAE88-32AA-4645-AEB0-DEA8BE7C2C29}"/>
-              </a:ext>
-            </a:extLst>
-          </p:cNvPr>
-          <p:cNvSpPr>
-            <a:spLocks noGrp="1"/>
-          </p:cNvSpPr>
-          <p:nvPr>
-            <p:ph idx="1"/>
-          </p:nvPr>
-        </p:nvSpPr>
-        <p:spPr>
-          <a:xfrm>
-            <a:off x="838200" y="2657475"/>
-            <a:ext cx="10515600" cy="3519488"/>
-          </a:xfrm>
-        </p:spPr>
-        <p:txBody>
-          <a:bodyPr/>
-          <a:lstStyle/>
-          <a:p>
-            <a:pPr marL="0" indent="0" algn="ctr">
-              <a:buNone/>
-            </a:pPr>
-            <a:r>
-              <a:rPr lang="en-US" dirty="0"/>
-              <a:t>Enigma Chat uses websockets to allow clients to connect to other clients and then send and receive messages. These messages are encrypted and then decrypted by the settings given by the server which are generated once per day.</a:t>
-            </a:r>
-          </a:p>
-        </p:txBody>
-      </p:sp>
-    </p:spTree>
-    <p:extLst>
-      <p:ext uri="{BB962C8B-B14F-4D97-AF65-F5344CB8AC3E}">
-        <p14:creationId xmlns:p14="http://schemas.microsoft.com/office/powerpoint/2010/main" val="1312775248"/>
       </p:ext>
     </p:extLst>
   </p:cSld>
@@ -21242,7 +21229,7 @@
             </a:pPr>
             <a:r>
               <a:rPr lang="en-US" dirty="0"/>
-              <a:t>Settings are stored in an array where the index corresponds to a particular setting. Settings for Rotor Position, Rotor Ring and Plugboard are stored in their letter order. For example, A = 0, Z = 25.</a:t>
+              <a:t>Settings are stored in an array where the index corresponds to a particular setting. Rotor Selection and Placement are stored at the beginning of an array. Other settings such as Rotor Position, Rotor Ring and the Plugboard pairs are stored in their letter order. For example, A = 0, Z = 25.</a:t>
             </a:r>
           </a:p>
           <a:p>
